--- a/Textbook/Figures/Chapter4/fig_vortex_pair1.pptx
+++ b/Textbook/Figures/Chapter4/fig_vortex_pair1.pptx
@@ -243,7 +243,7 @@
           <a:p>
             <a:fld id="{A8F48D5B-9275-4A08-B238-9C7CECCD580A}" type="datetimeFigureOut">
               <a:rPr lang="en-US" smtClean="0"/>
-              <a:t>6/27/2022</a:t>
+              <a:t>10/11/2022</a:t>
             </a:fld>
             <a:endParaRPr lang="en-US"/>
           </a:p>
@@ -413,7 +413,7 @@
           <a:p>
             <a:fld id="{A8F48D5B-9275-4A08-B238-9C7CECCD580A}" type="datetimeFigureOut">
               <a:rPr lang="en-US" smtClean="0"/>
-              <a:t>6/27/2022</a:t>
+              <a:t>10/11/2022</a:t>
             </a:fld>
             <a:endParaRPr lang="en-US"/>
           </a:p>
@@ -593,7 +593,7 @@
           <a:p>
             <a:fld id="{A8F48D5B-9275-4A08-B238-9C7CECCD580A}" type="datetimeFigureOut">
               <a:rPr lang="en-US" smtClean="0"/>
-              <a:t>6/27/2022</a:t>
+              <a:t>10/11/2022</a:t>
             </a:fld>
             <a:endParaRPr lang="en-US"/>
           </a:p>
@@ -763,7 +763,7 @@
           <a:p>
             <a:fld id="{A8F48D5B-9275-4A08-B238-9C7CECCD580A}" type="datetimeFigureOut">
               <a:rPr lang="en-US" smtClean="0"/>
-              <a:t>6/27/2022</a:t>
+              <a:t>10/11/2022</a:t>
             </a:fld>
             <a:endParaRPr lang="en-US"/>
           </a:p>
@@ -1009,7 +1009,7 @@
           <a:p>
             <a:fld id="{A8F48D5B-9275-4A08-B238-9C7CECCD580A}" type="datetimeFigureOut">
               <a:rPr lang="en-US" smtClean="0"/>
-              <a:t>6/27/2022</a:t>
+              <a:t>10/11/2022</a:t>
             </a:fld>
             <a:endParaRPr lang="en-US"/>
           </a:p>
@@ -1241,7 +1241,7 @@
           <a:p>
             <a:fld id="{A8F48D5B-9275-4A08-B238-9C7CECCD580A}" type="datetimeFigureOut">
               <a:rPr lang="en-US" smtClean="0"/>
-              <a:t>6/27/2022</a:t>
+              <a:t>10/11/2022</a:t>
             </a:fld>
             <a:endParaRPr lang="en-US"/>
           </a:p>
@@ -1608,7 +1608,7 @@
           <a:p>
             <a:fld id="{A8F48D5B-9275-4A08-B238-9C7CECCD580A}" type="datetimeFigureOut">
               <a:rPr lang="en-US" smtClean="0"/>
-              <a:t>6/27/2022</a:t>
+              <a:t>10/11/2022</a:t>
             </a:fld>
             <a:endParaRPr lang="en-US"/>
           </a:p>
@@ -1726,7 +1726,7 @@
           <a:p>
             <a:fld id="{A8F48D5B-9275-4A08-B238-9C7CECCD580A}" type="datetimeFigureOut">
               <a:rPr lang="en-US" smtClean="0"/>
-              <a:t>6/27/2022</a:t>
+              <a:t>10/11/2022</a:t>
             </a:fld>
             <a:endParaRPr lang="en-US"/>
           </a:p>
@@ -1821,7 +1821,7 @@
           <a:p>
             <a:fld id="{A8F48D5B-9275-4A08-B238-9C7CECCD580A}" type="datetimeFigureOut">
               <a:rPr lang="en-US" smtClean="0"/>
-              <a:t>6/27/2022</a:t>
+              <a:t>10/11/2022</a:t>
             </a:fld>
             <a:endParaRPr lang="en-US"/>
           </a:p>
@@ -2098,7 +2098,7 @@
           <a:p>
             <a:fld id="{A8F48D5B-9275-4A08-B238-9C7CECCD580A}" type="datetimeFigureOut">
               <a:rPr lang="en-US" smtClean="0"/>
-              <a:t>6/27/2022</a:t>
+              <a:t>10/11/2022</a:t>
             </a:fld>
             <a:endParaRPr lang="en-US"/>
           </a:p>
@@ -2355,7 +2355,7 @@
           <a:p>
             <a:fld id="{A8F48D5B-9275-4A08-B238-9C7CECCD580A}" type="datetimeFigureOut">
               <a:rPr lang="en-US" smtClean="0"/>
-              <a:t>6/27/2022</a:t>
+              <a:t>10/11/2022</a:t>
             </a:fld>
             <a:endParaRPr lang="en-US"/>
           </a:p>
@@ -2568,7 +2568,7 @@
           <a:p>
             <a:fld id="{A8F48D5B-9275-4A08-B238-9C7CECCD580A}" type="datetimeFigureOut">
               <a:rPr lang="en-US" smtClean="0"/>
-              <a:t>6/27/2022</a:t>
+              <a:t>10/11/2022</a:t>
             </a:fld>
             <a:endParaRPr lang="en-US"/>
           </a:p>
@@ -3239,10 +3239,10 @@
             <a:avLst/>
           </a:prstGeom>
           <a:noFill/>
-          <a:ln w="9525">
+          <a:ln w="12700">
             <a:solidFill>
               <a:schemeClr val="bg1">
-                <a:lumMod val="85000"/>
+                <a:lumMod val="50000"/>
               </a:schemeClr>
             </a:solidFill>
           </a:ln>
@@ -3298,10 +3298,10 @@
             <a:avLst/>
           </a:prstGeom>
           <a:noFill/>
-          <a:ln w="9525">
+          <a:ln w="12700">
             <a:solidFill>
               <a:schemeClr val="bg1">
-                <a:lumMod val="85000"/>
+                <a:lumMod val="50000"/>
               </a:schemeClr>
             </a:solidFill>
           </a:ln>
@@ -3357,10 +3357,10 @@
             <a:avLst/>
           </a:prstGeom>
           <a:noFill/>
-          <a:ln w="9525">
+          <a:ln w="12700">
             <a:solidFill>
               <a:schemeClr val="bg1">
-                <a:lumMod val="85000"/>
+                <a:lumMod val="50000"/>
               </a:schemeClr>
             </a:solidFill>
           </a:ln>
@@ -3416,10 +3416,10 @@
             <a:avLst/>
           </a:prstGeom>
           <a:noFill/>
-          <a:ln w="9525">
+          <a:ln w="12700">
             <a:solidFill>
               <a:schemeClr val="bg1">
-                <a:lumMod val="85000"/>
+                <a:lumMod val="50000"/>
               </a:schemeClr>
             </a:solidFill>
           </a:ln>
@@ -3475,10 +3475,10 @@
             <a:avLst/>
           </a:prstGeom>
           <a:noFill/>
-          <a:ln w="9525">
+          <a:ln w="12700">
             <a:solidFill>
               <a:schemeClr val="bg1">
-                <a:lumMod val="85000"/>
+                <a:lumMod val="50000"/>
               </a:schemeClr>
             </a:solidFill>
           </a:ln>
@@ -3556,10 +3556,10 @@
             <a:prstGeom prst="line">
               <a:avLst/>
             </a:prstGeom>
-            <a:ln w="9525">
+            <a:ln w="12700">
               <a:solidFill>
                 <a:schemeClr val="bg1">
-                  <a:lumMod val="85000"/>
+                  <a:lumMod val="50000"/>
                 </a:schemeClr>
               </a:solidFill>
             </a:ln>
@@ -3602,10 +3602,10 @@
             <a:prstGeom prst="line">
               <a:avLst/>
             </a:prstGeom>
-            <a:ln w="9525">
+            <a:ln w="12700">
               <a:solidFill>
                 <a:schemeClr val="bg1">
-                  <a:lumMod val="85000"/>
+                  <a:lumMod val="50000"/>
                 </a:schemeClr>
               </a:solidFill>
             </a:ln>
@@ -3668,10 +3668,10 @@
             <a:prstGeom prst="line">
               <a:avLst/>
             </a:prstGeom>
-            <a:ln w="9525">
+            <a:ln w="12700">
               <a:solidFill>
                 <a:schemeClr val="bg1">
-                  <a:lumMod val="85000"/>
+                  <a:lumMod val="50000"/>
                 </a:schemeClr>
               </a:solidFill>
             </a:ln>
@@ -3713,10 +3713,10 @@
             <a:prstGeom prst="line">
               <a:avLst/>
             </a:prstGeom>
-            <a:ln w="9525">
+            <a:ln w="12700">
               <a:solidFill>
                 <a:schemeClr val="bg1">
-                  <a:lumMod val="85000"/>
+                  <a:lumMod val="50000"/>
                 </a:schemeClr>
               </a:solidFill>
             </a:ln>
@@ -3779,10 +3779,10 @@
             <a:prstGeom prst="line">
               <a:avLst/>
             </a:prstGeom>
-            <a:ln w="9525">
+            <a:ln w="12700">
               <a:solidFill>
                 <a:schemeClr val="bg1">
-                  <a:lumMod val="85000"/>
+                  <a:lumMod val="50000"/>
                 </a:schemeClr>
               </a:solidFill>
             </a:ln>
@@ -3824,10 +3824,10 @@
             <a:prstGeom prst="line">
               <a:avLst/>
             </a:prstGeom>
-            <a:ln w="9525">
+            <a:ln w="12700">
               <a:solidFill>
                 <a:schemeClr val="bg1">
-                  <a:lumMod val="85000"/>
+                  <a:lumMod val="50000"/>
                 </a:schemeClr>
               </a:solidFill>
             </a:ln>
@@ -3890,10 +3890,10 @@
             <a:prstGeom prst="line">
               <a:avLst/>
             </a:prstGeom>
-            <a:ln w="9525">
+            <a:ln w="12700">
               <a:solidFill>
                 <a:schemeClr val="bg1">
-                  <a:lumMod val="85000"/>
+                  <a:lumMod val="50000"/>
                 </a:schemeClr>
               </a:solidFill>
             </a:ln>
@@ -3935,10 +3935,10 @@
             <a:prstGeom prst="line">
               <a:avLst/>
             </a:prstGeom>
-            <a:ln w="9525">
+            <a:ln w="12700">
               <a:solidFill>
                 <a:schemeClr val="bg1">
-                  <a:lumMod val="85000"/>
+                  <a:lumMod val="50000"/>
                 </a:schemeClr>
               </a:solidFill>
             </a:ln>
@@ -4032,7 +4032,7 @@
             <a:avLst/>
           </a:prstGeom>
           <a:noFill/>
-          <a:ln w="9525">
+          <a:ln w="12700">
             <a:solidFill>
               <a:schemeClr val="accent1">
                 <a:lumMod val="60000"/>
@@ -4092,7 +4092,7 @@
             <a:avLst/>
           </a:prstGeom>
           <a:noFill/>
-          <a:ln w="9525">
+          <a:ln w="12700">
             <a:solidFill>
               <a:schemeClr val="accent1">
                 <a:lumMod val="60000"/>
@@ -4152,7 +4152,7 @@
             <a:avLst/>
           </a:prstGeom>
           <a:noFill/>
-          <a:ln w="9525">
+          <a:ln w="12700">
             <a:solidFill>
               <a:schemeClr val="accent1">
                 <a:lumMod val="60000"/>
@@ -4212,7 +4212,7 @@
             <a:avLst/>
           </a:prstGeom>
           <a:noFill/>
-          <a:ln w="9525">
+          <a:ln w="12700">
             <a:solidFill>
               <a:schemeClr val="accent1">
                 <a:lumMod val="60000"/>
@@ -4272,7 +4272,7 @@
             <a:avLst/>
           </a:prstGeom>
           <a:noFill/>
-          <a:ln w="9525">
+          <a:ln w="12700">
             <a:solidFill>
               <a:schemeClr val="accent1">
                 <a:lumMod val="60000"/>
@@ -4354,7 +4354,7 @@
             <a:prstGeom prst="line">
               <a:avLst/>
             </a:prstGeom>
-            <a:ln w="9525">
+            <a:ln w="12700">
               <a:solidFill>
                 <a:schemeClr val="accent1">
                   <a:lumMod val="60000"/>
@@ -4401,7 +4401,7 @@
             <a:prstGeom prst="line">
               <a:avLst/>
             </a:prstGeom>
-            <a:ln w="9525">
+            <a:ln w="12700">
               <a:solidFill>
                 <a:schemeClr val="accent1">
                   <a:lumMod val="60000"/>
@@ -4468,7 +4468,7 @@
             <a:prstGeom prst="line">
               <a:avLst/>
             </a:prstGeom>
-            <a:ln w="9525">
+            <a:ln w="12700">
               <a:solidFill>
                 <a:schemeClr val="accent1">
                   <a:lumMod val="60000"/>
@@ -4514,7 +4514,7 @@
             <a:prstGeom prst="line">
               <a:avLst/>
             </a:prstGeom>
-            <a:ln w="9525">
+            <a:ln w="12700">
               <a:solidFill>
                 <a:schemeClr val="accent1">
                   <a:lumMod val="60000"/>
@@ -4581,7 +4581,7 @@
             <a:prstGeom prst="line">
               <a:avLst/>
             </a:prstGeom>
-            <a:ln w="9525">
+            <a:ln w="12700">
               <a:solidFill>
                 <a:schemeClr val="accent1">
                   <a:lumMod val="60000"/>
@@ -4627,7 +4627,7 @@
             <a:prstGeom prst="line">
               <a:avLst/>
             </a:prstGeom>
-            <a:ln w="9525">
+            <a:ln w="12700">
               <a:solidFill>
                 <a:schemeClr val="accent1">
                   <a:lumMod val="60000"/>
@@ -4694,7 +4694,7 @@
             <a:prstGeom prst="line">
               <a:avLst/>
             </a:prstGeom>
-            <a:ln w="9525">
+            <a:ln w="12700">
               <a:solidFill>
                 <a:schemeClr val="accent1">
                   <a:lumMod val="60000"/>
@@ -4740,7 +4740,7 @@
             <a:prstGeom prst="line">
               <a:avLst/>
             </a:prstGeom>
-            <a:ln w="9525">
+            <a:ln w="12700">
               <a:solidFill>
                 <a:schemeClr val="accent1">
                   <a:lumMod val="60000"/>
@@ -4786,7 +4786,7 @@
             <a:avLst/>
           </a:prstGeom>
           <a:noFill/>
-          <a:ln w="9525">
+          <a:ln w="12700">
             <a:solidFill>
               <a:schemeClr val="accent1">
                 <a:lumMod val="60000"/>
@@ -4867,7 +4867,7 @@
             <a:prstGeom prst="line">
               <a:avLst/>
             </a:prstGeom>
-            <a:ln w="9525">
+            <a:ln w="12700">
               <a:solidFill>
                 <a:schemeClr val="accent1">
                   <a:lumMod val="60000"/>
@@ -4913,7 +4913,7 @@
             <a:prstGeom prst="line">
               <a:avLst/>
             </a:prstGeom>
-            <a:ln w="9525">
+            <a:ln w="12700">
               <a:solidFill>
                 <a:schemeClr val="accent1">
                   <a:lumMod val="60000"/>
@@ -5007,10 +5007,10 @@
             <a:avLst/>
           </a:prstGeom>
           <a:noFill/>
-          <a:ln w="9525">
+          <a:ln w="12700">
             <a:solidFill>
               <a:schemeClr val="bg1">
-                <a:lumMod val="85000"/>
+                <a:lumMod val="50000"/>
               </a:schemeClr>
             </a:solidFill>
           </a:ln>
@@ -5087,10 +5087,10 @@
             <a:prstGeom prst="line">
               <a:avLst/>
             </a:prstGeom>
-            <a:ln w="9525">
+            <a:ln w="12700">
               <a:solidFill>
                 <a:schemeClr val="bg1">
-                  <a:lumMod val="85000"/>
+                  <a:lumMod val="50000"/>
                 </a:schemeClr>
               </a:solidFill>
             </a:ln>
@@ -5132,10 +5132,10 @@
             <a:prstGeom prst="line">
               <a:avLst/>
             </a:prstGeom>
-            <a:ln w="9525">
+            <a:ln w="12700">
               <a:solidFill>
                 <a:schemeClr val="bg1">
-                  <a:lumMod val="85000"/>
+                  <a:lumMod val="50000"/>
                 </a:schemeClr>
               </a:solidFill>
             </a:ln>
